--- a/presentation/Project_Presentation.pptx
+++ b/presentation/Project_Presentation.pptx
@@ -312,7 +312,7 @@
           <a:p>
             <a:fld id="{5BCAD085-E8A6-8845-BD4E-CB4CCA059FC4}" type="datetimeFigureOut">
               <a:rPr lang="en-US" smtClean="0"/>
-              <a:t>12/19/2025</a:t>
+              <a:t>12/21/2025</a:t>
             </a:fld>
             <a:endParaRPr lang="en-US"/>
           </a:p>
@@ -480,7 +480,7 @@
           <a:p>
             <a:fld id="{5BCAD085-E8A6-8845-BD4E-CB4CCA059FC4}" type="datetimeFigureOut">
               <a:rPr lang="en-US" smtClean="0"/>
-              <a:t>12/19/2025</a:t>
+              <a:t>12/21/2025</a:t>
             </a:fld>
             <a:endParaRPr lang="en-US"/>
           </a:p>
@@ -658,7 +658,7 @@
           <a:p>
             <a:fld id="{5BCAD085-E8A6-8845-BD4E-CB4CCA059FC4}" type="datetimeFigureOut">
               <a:rPr lang="en-US" smtClean="0"/>
-              <a:t>12/19/2025</a:t>
+              <a:t>12/21/2025</a:t>
             </a:fld>
             <a:endParaRPr lang="en-US"/>
           </a:p>
@@ -826,7 +826,7 @@
           <a:p>
             <a:fld id="{5BCAD085-E8A6-8845-BD4E-CB4CCA059FC4}" type="datetimeFigureOut">
               <a:rPr lang="en-US" smtClean="0"/>
-              <a:t>12/19/2025</a:t>
+              <a:t>12/21/2025</a:t>
             </a:fld>
             <a:endParaRPr lang="en-US"/>
           </a:p>
@@ -1071,7 +1071,7 @@
           <a:p>
             <a:fld id="{5BCAD085-E8A6-8845-BD4E-CB4CCA059FC4}" type="datetimeFigureOut">
               <a:rPr lang="en-US" smtClean="0"/>
-              <a:t>12/19/2025</a:t>
+              <a:t>12/21/2025</a:t>
             </a:fld>
             <a:endParaRPr lang="en-US"/>
           </a:p>
@@ -1356,7 +1356,7 @@
           <a:p>
             <a:fld id="{5BCAD085-E8A6-8845-BD4E-CB4CCA059FC4}" type="datetimeFigureOut">
               <a:rPr lang="en-US" smtClean="0"/>
-              <a:t>12/19/2025</a:t>
+              <a:t>12/21/2025</a:t>
             </a:fld>
             <a:endParaRPr lang="en-US"/>
           </a:p>
@@ -1775,7 +1775,7 @@
           <a:p>
             <a:fld id="{5BCAD085-E8A6-8845-BD4E-CB4CCA059FC4}" type="datetimeFigureOut">
               <a:rPr lang="en-US" smtClean="0"/>
-              <a:t>12/19/2025</a:t>
+              <a:t>12/21/2025</a:t>
             </a:fld>
             <a:endParaRPr lang="en-US"/>
           </a:p>
@@ -1892,7 +1892,7 @@
           <a:p>
             <a:fld id="{5BCAD085-E8A6-8845-BD4E-CB4CCA059FC4}" type="datetimeFigureOut">
               <a:rPr lang="en-US" smtClean="0"/>
-              <a:t>12/19/2025</a:t>
+              <a:t>12/21/2025</a:t>
             </a:fld>
             <a:endParaRPr lang="en-US"/>
           </a:p>
@@ -1987,7 +1987,7 @@
           <a:p>
             <a:fld id="{5BCAD085-E8A6-8845-BD4E-CB4CCA059FC4}" type="datetimeFigureOut">
               <a:rPr lang="en-US" smtClean="0"/>
-              <a:t>12/19/2025</a:t>
+              <a:t>12/21/2025</a:t>
             </a:fld>
             <a:endParaRPr lang="en-US"/>
           </a:p>
@@ -2262,7 +2262,7 @@
           <a:p>
             <a:fld id="{5BCAD085-E8A6-8845-BD4E-CB4CCA059FC4}" type="datetimeFigureOut">
               <a:rPr lang="en-US" smtClean="0"/>
-              <a:t>12/19/2025</a:t>
+              <a:t>12/21/2025</a:t>
             </a:fld>
             <a:endParaRPr lang="en-US"/>
           </a:p>
@@ -2514,7 +2514,7 @@
           <a:p>
             <a:fld id="{5BCAD085-E8A6-8845-BD4E-CB4CCA059FC4}" type="datetimeFigureOut">
               <a:rPr lang="en-US" smtClean="0"/>
-              <a:t>12/19/2025</a:t>
+              <a:t>12/21/2025</a:t>
             </a:fld>
             <a:endParaRPr lang="en-US"/>
           </a:p>
@@ -2725,7 +2725,7 @@
           <a:p>
             <a:fld id="{5BCAD085-E8A6-8845-BD4E-CB4CCA059FC4}" type="datetimeFigureOut">
               <a:rPr lang="en-US" smtClean="0"/>
-              <a:t>12/19/2025</a:t>
+              <a:t>12/21/2025</a:t>
             </a:fld>
             <a:endParaRPr lang="en-US"/>
           </a:p>
@@ -4681,8 +4681,8 @@
         </p:blipFill>
         <p:spPr>
           <a:xfrm>
-            <a:off x="457200" y="1371600"/>
-            <a:ext cx="5486400" cy="6400800"/>
+            <a:off x="365760" y="1188720"/>
+            <a:ext cx="5486400" cy="5062389"/>
           </a:xfrm>
           <a:prstGeom prst="rect">
             <a:avLst/>
